--- a/GraphTheoryTalk/Presentation1.pptx
+++ b/GraphTheoryTalk/Presentation1.pptx
@@ -10,6 +10,8 @@
     <p:sldId id="258" r:id="rId4"/>
     <p:sldId id="259" r:id="rId5"/>
     <p:sldId id="260" r:id="rId6"/>
+    <p:sldId id="261" r:id="rId7"/>
+    <p:sldId id="262" r:id="rId8"/>
   </p:sldIdLst>
   <p:sldSz cx="12192000" cy="6858000"/>
   <p:notesSz cx="6858000" cy="9144000"/>
@@ -249,7 +251,7 @@
           <a:p>
             <a:fld id="{0B0AC183-4179-4F51-BFDB-16820FF5E17E}" type="datetimeFigureOut">
               <a:rPr lang="en-US" smtClean="0"/>
-              <a:t>5/30/2017</a:t>
+              <a:t>6/1/2017</a:t>
             </a:fld>
             <a:endParaRPr lang="en-US"/>
           </a:p>
@@ -417,7 +419,7 @@
           <a:p>
             <a:fld id="{0B0AC183-4179-4F51-BFDB-16820FF5E17E}" type="datetimeFigureOut">
               <a:rPr lang="en-US" smtClean="0"/>
-              <a:t>5/30/2017</a:t>
+              <a:t>6/1/2017</a:t>
             </a:fld>
             <a:endParaRPr lang="en-US"/>
           </a:p>
@@ -595,7 +597,7 @@
           <a:p>
             <a:fld id="{0B0AC183-4179-4F51-BFDB-16820FF5E17E}" type="datetimeFigureOut">
               <a:rPr lang="en-US" smtClean="0"/>
-              <a:t>5/30/2017</a:t>
+              <a:t>6/1/2017</a:t>
             </a:fld>
             <a:endParaRPr lang="en-US"/>
           </a:p>
@@ -763,7 +765,7 @@
           <a:p>
             <a:fld id="{0B0AC183-4179-4F51-BFDB-16820FF5E17E}" type="datetimeFigureOut">
               <a:rPr lang="en-US" smtClean="0"/>
-              <a:t>5/30/2017</a:t>
+              <a:t>6/1/2017</a:t>
             </a:fld>
             <a:endParaRPr lang="en-US"/>
           </a:p>
@@ -1008,7 +1010,7 @@
           <a:p>
             <a:fld id="{0B0AC183-4179-4F51-BFDB-16820FF5E17E}" type="datetimeFigureOut">
               <a:rPr lang="en-US" smtClean="0"/>
-              <a:t>5/30/2017</a:t>
+              <a:t>6/1/2017</a:t>
             </a:fld>
             <a:endParaRPr lang="en-US"/>
           </a:p>
@@ -1237,7 +1239,7 @@
           <a:p>
             <a:fld id="{0B0AC183-4179-4F51-BFDB-16820FF5E17E}" type="datetimeFigureOut">
               <a:rPr lang="en-US" smtClean="0"/>
-              <a:t>5/30/2017</a:t>
+              <a:t>6/1/2017</a:t>
             </a:fld>
             <a:endParaRPr lang="en-US"/>
           </a:p>
@@ -1601,7 +1603,7 @@
           <a:p>
             <a:fld id="{0B0AC183-4179-4F51-BFDB-16820FF5E17E}" type="datetimeFigureOut">
               <a:rPr lang="en-US" smtClean="0"/>
-              <a:t>5/30/2017</a:t>
+              <a:t>6/1/2017</a:t>
             </a:fld>
             <a:endParaRPr lang="en-US"/>
           </a:p>
@@ -1718,7 +1720,7 @@
           <a:p>
             <a:fld id="{0B0AC183-4179-4F51-BFDB-16820FF5E17E}" type="datetimeFigureOut">
               <a:rPr lang="en-US" smtClean="0"/>
-              <a:t>5/30/2017</a:t>
+              <a:t>6/1/2017</a:t>
             </a:fld>
             <a:endParaRPr lang="en-US"/>
           </a:p>
@@ -1813,7 +1815,7 @@
           <a:p>
             <a:fld id="{0B0AC183-4179-4F51-BFDB-16820FF5E17E}" type="datetimeFigureOut">
               <a:rPr lang="en-US" smtClean="0"/>
-              <a:t>5/30/2017</a:t>
+              <a:t>6/1/2017</a:t>
             </a:fld>
             <a:endParaRPr lang="en-US"/>
           </a:p>
@@ -2088,7 +2090,7 @@
           <a:p>
             <a:fld id="{0B0AC183-4179-4F51-BFDB-16820FF5E17E}" type="datetimeFigureOut">
               <a:rPr lang="en-US" smtClean="0"/>
-              <a:t>5/30/2017</a:t>
+              <a:t>6/1/2017</a:t>
             </a:fld>
             <a:endParaRPr lang="en-US"/>
           </a:p>
@@ -2340,7 +2342,7 @@
           <a:p>
             <a:fld id="{0B0AC183-4179-4F51-BFDB-16820FF5E17E}" type="datetimeFigureOut">
               <a:rPr lang="en-US" smtClean="0"/>
-              <a:t>5/30/2017</a:t>
+              <a:t>6/1/2017</a:t>
             </a:fld>
             <a:endParaRPr lang="en-US"/>
           </a:p>
@@ -2551,7 +2553,7 @@
           <a:p>
             <a:fld id="{0B0AC183-4179-4F51-BFDB-16820FF5E17E}" type="datetimeFigureOut">
               <a:rPr lang="en-US" smtClean="0"/>
-              <a:t>5/30/2017</a:t>
+              <a:t>6/1/2017</a:t>
             </a:fld>
             <a:endParaRPr lang="en-US"/>
           </a:p>
@@ -4499,25 +4501,86 @@
           </a:p>
         </p:txBody>
       </p:sp>
-      <p:sp>
-        <p:nvSpPr>
-          <p:cNvPr id="3" name="Content Placeholder 2"/>
-          <p:cNvSpPr>
-            <a:spLocks noGrp="1"/>
-          </p:cNvSpPr>
+      <p:pic>
+        <p:nvPicPr>
+          <p:cNvPr id="5" name="Content Placeholder 4"/>
+          <p:cNvPicPr>
+            <a:picLocks noGrp="1" noChangeAspect="1"/>
+          </p:cNvPicPr>
           <p:nvPr>
             <p:ph idx="1"/>
           </p:nvPr>
-        </p:nvSpPr>
-        <p:spPr/>
-        <p:txBody>
-          <a:bodyPr/>
-          <a:lstStyle/>
-          <a:p>
-            <a:endParaRPr lang="en-US"/>
-          </a:p>
-        </p:txBody>
-      </p:sp>
+        </p:nvPicPr>
+        <p:blipFill>
+          <a:blip r:embed="rId2"/>
+          <a:stretch>
+            <a:fillRect/>
+          </a:stretch>
+        </p:blipFill>
+        <p:spPr>
+          <a:xfrm>
+            <a:off x="450491" y="1237138"/>
+            <a:ext cx="6931820" cy="3753405"/>
+          </a:xfrm>
+          <a:prstGeom prst="rect">
+            <a:avLst/>
+          </a:prstGeom>
+        </p:spPr>
+      </p:pic>
+      <p:pic>
+        <p:nvPicPr>
+          <p:cNvPr id="4" name="Picture 3"/>
+          <p:cNvPicPr>
+            <a:picLocks noChangeAspect="1"/>
+          </p:cNvPicPr>
+          <p:nvPr/>
+        </p:nvPicPr>
+        <p:blipFill>
+          <a:blip r:embed="rId3"/>
+          <a:stretch>
+            <a:fillRect/>
+          </a:stretch>
+        </p:blipFill>
+        <p:spPr>
+          <a:xfrm>
+            <a:off x="8204432" y="3418318"/>
+            <a:ext cx="3700950" cy="3144450"/>
+          </a:xfrm>
+          <a:prstGeom prst="rect">
+            <a:avLst/>
+          </a:prstGeom>
+        </p:spPr>
+      </p:pic>
+    </p:spTree>
+    <p:extLst>
+      <p:ext uri="{BB962C8B-B14F-4D97-AF65-F5344CB8AC3E}">
+        <p14:creationId xmlns:p14="http://schemas.microsoft.com/office/powerpoint/2010/main" val="200959477"/>
+      </p:ext>
+    </p:extLst>
+  </p:cSld>
+  <p:clrMapOvr>
+    <a:masterClrMapping/>
+  </p:clrMapOvr>
+</p:sld>
+</file>
+
+<file path=ppt/slides/slide6.xml><?xml version="1.0" encoding="utf-8"?>
+<p:sld xmlns:a="http://schemas.openxmlformats.org/drawingml/2006/main" xmlns:r="http://schemas.openxmlformats.org/officeDocument/2006/relationships" xmlns:p="http://schemas.openxmlformats.org/presentationml/2006/main">
+  <p:cSld>
+    <p:spTree>
+      <p:nvGrpSpPr>
+        <p:cNvPr id="1" name=""/>
+        <p:cNvGrpSpPr/>
+        <p:nvPr/>
+      </p:nvGrpSpPr>
+      <p:grpSpPr>
+        <a:xfrm>
+          <a:off x="0" y="0"/>
+          <a:ext cx="0" cy="0"/>
+          <a:chOff x="0" y="0"/>
+          <a:chExt cx="0" cy="0"/>
+        </a:xfrm>
+      </p:grpSpPr>
       <p:pic>
         <p:nvPicPr>
           <p:cNvPr id="4" name="Picture 3"/>
@@ -4534,8 +4597,32 @@
         </p:blipFill>
         <p:spPr>
           <a:xfrm>
-            <a:off x="5117283" y="2597450"/>
-            <a:ext cx="4874441" cy="4141487"/>
+            <a:off x="3506598" y="3011590"/>
+            <a:ext cx="6260983" cy="559326"/>
+          </a:xfrm>
+          <a:prstGeom prst="rect">
+            <a:avLst/>
+          </a:prstGeom>
+        </p:spPr>
+      </p:pic>
+      <p:pic>
+        <p:nvPicPr>
+          <p:cNvPr id="5" name="Picture 4"/>
+          <p:cNvPicPr>
+            <a:picLocks noChangeAspect="1"/>
+          </p:cNvPicPr>
+          <p:nvPr/>
+        </p:nvPicPr>
+        <p:blipFill>
+          <a:blip r:embed="rId3"/>
+          <a:stretch>
+            <a:fillRect/>
+          </a:stretch>
+        </p:blipFill>
+        <p:spPr>
+          <a:xfrm>
+            <a:off x="3506598" y="3974347"/>
+            <a:ext cx="6273704" cy="874490"/>
           </a:xfrm>
           <a:prstGeom prst="rect">
             <a:avLst/>
@@ -4545,7 +4632,332 @@
     </p:spTree>
     <p:extLst>
       <p:ext uri="{BB962C8B-B14F-4D97-AF65-F5344CB8AC3E}">
-        <p14:creationId xmlns:p14="http://schemas.microsoft.com/office/powerpoint/2010/main" val="200959477"/>
+        <p14:creationId xmlns:p14="http://schemas.microsoft.com/office/powerpoint/2010/main" val="3974156293"/>
+      </p:ext>
+    </p:extLst>
+  </p:cSld>
+  <p:clrMapOvr>
+    <a:masterClrMapping/>
+  </p:clrMapOvr>
+</p:sld>
+</file>
+
+<file path=ppt/slides/slide7.xml><?xml version="1.0" encoding="utf-8"?>
+<p:sld xmlns:a="http://schemas.openxmlformats.org/drawingml/2006/main" xmlns:r="http://schemas.openxmlformats.org/officeDocument/2006/relationships" xmlns:p="http://schemas.openxmlformats.org/presentationml/2006/main">
+  <p:cSld>
+    <p:spTree>
+      <p:nvGrpSpPr>
+        <p:cNvPr id="1" name=""/>
+        <p:cNvGrpSpPr/>
+        <p:nvPr/>
+      </p:nvGrpSpPr>
+      <p:grpSpPr>
+        <a:xfrm>
+          <a:off x="0" y="0"/>
+          <a:ext cx="0" cy="0"/>
+          <a:chOff x="0" y="0"/>
+          <a:chExt cx="0" cy="0"/>
+        </a:xfrm>
+      </p:grpSpPr>
+      <p:pic>
+        <p:nvPicPr>
+          <p:cNvPr id="4" name="Picture 3"/>
+          <p:cNvPicPr>
+            <a:picLocks noChangeAspect="1"/>
+          </p:cNvPicPr>
+          <p:nvPr/>
+        </p:nvPicPr>
+        <p:blipFill>
+          <a:blip r:embed="rId2"/>
+          <a:stretch>
+            <a:fillRect/>
+          </a:stretch>
+        </p:blipFill>
+        <p:spPr>
+          <a:xfrm>
+            <a:off x="960452" y="1046527"/>
+            <a:ext cx="2838450" cy="3657600"/>
+          </a:xfrm>
+          <a:prstGeom prst="rect">
+            <a:avLst/>
+          </a:prstGeom>
+        </p:spPr>
+      </p:pic>
+      <p:grpSp>
+        <p:nvGrpSpPr>
+          <p:cNvPr id="14" name="Group 13"/>
+          <p:cNvGrpSpPr/>
+          <p:nvPr/>
+        </p:nvGrpSpPr>
+        <p:grpSpPr>
+          <a:xfrm>
+            <a:off x="6322416" y="1046527"/>
+            <a:ext cx="2838450" cy="3657600"/>
+            <a:chOff x="6322416" y="1046527"/>
+            <a:chExt cx="2838450" cy="3657600"/>
+          </a:xfrm>
+        </p:grpSpPr>
+        <p:pic>
+          <p:nvPicPr>
+            <p:cNvPr id="5" name="Picture 4"/>
+            <p:cNvPicPr>
+              <a:picLocks noChangeAspect="1"/>
+            </p:cNvPicPr>
+            <p:nvPr/>
+          </p:nvPicPr>
+          <p:blipFill>
+            <a:blip r:embed="rId2"/>
+            <a:stretch>
+              <a:fillRect/>
+            </a:stretch>
+          </p:blipFill>
+          <p:spPr>
+            <a:xfrm>
+              <a:off x="6322416" y="1046527"/>
+              <a:ext cx="2838450" cy="3657600"/>
+            </a:xfrm>
+            <a:prstGeom prst="rect">
+              <a:avLst/>
+            </a:prstGeom>
+          </p:spPr>
+        </p:pic>
+        <p:sp>
+          <p:nvSpPr>
+            <p:cNvPr id="6" name="TextBox 5"/>
+            <p:cNvSpPr txBox="1"/>
+            <p:nvPr/>
+          </p:nvSpPr>
+          <p:spPr>
+            <a:xfrm>
+              <a:off x="6892867" y="3797900"/>
+              <a:ext cx="301686" cy="369332"/>
+            </a:xfrm>
+            <a:prstGeom prst="rect">
+              <a:avLst/>
+            </a:prstGeom>
+            <a:noFill/>
+          </p:spPr>
+          <p:txBody>
+            <a:bodyPr wrap="none" rtlCol="0">
+              <a:spAutoFit/>
+            </a:bodyPr>
+            <a:lstStyle/>
+            <a:p>
+              <a:r>
+                <a:rPr lang="en-US" dirty="0"/>
+                <a:t>1</a:t>
+              </a:r>
+            </a:p>
+          </p:txBody>
+        </p:sp>
+        <p:sp>
+          <p:nvSpPr>
+            <p:cNvPr id="7" name="TextBox 6"/>
+            <p:cNvSpPr txBox="1"/>
+            <p:nvPr/>
+          </p:nvSpPr>
+          <p:spPr>
+            <a:xfrm>
+              <a:off x="8244893" y="1601382"/>
+              <a:ext cx="301686" cy="369332"/>
+            </a:xfrm>
+            <a:prstGeom prst="rect">
+              <a:avLst/>
+            </a:prstGeom>
+            <a:noFill/>
+          </p:spPr>
+          <p:txBody>
+            <a:bodyPr wrap="none" rtlCol="0">
+              <a:spAutoFit/>
+            </a:bodyPr>
+            <a:lstStyle/>
+            <a:p>
+              <a:r>
+                <a:rPr lang="en-US" dirty="0"/>
+                <a:t>2</a:t>
+              </a:r>
+            </a:p>
+          </p:txBody>
+        </p:sp>
+        <p:sp>
+          <p:nvSpPr>
+            <p:cNvPr id="8" name="TextBox 7"/>
+            <p:cNvSpPr txBox="1"/>
+            <p:nvPr/>
+          </p:nvSpPr>
+          <p:spPr>
+            <a:xfrm>
+              <a:off x="6892867" y="1599177"/>
+              <a:ext cx="301686" cy="369332"/>
+            </a:xfrm>
+            <a:prstGeom prst="rect">
+              <a:avLst/>
+            </a:prstGeom>
+            <a:noFill/>
+          </p:spPr>
+          <p:txBody>
+            <a:bodyPr wrap="none" rtlCol="0">
+              <a:spAutoFit/>
+            </a:bodyPr>
+            <a:lstStyle/>
+            <a:p>
+              <a:r>
+                <a:rPr lang="en-US" dirty="0"/>
+                <a:t>3</a:t>
+              </a:r>
+            </a:p>
+          </p:txBody>
+        </p:sp>
+        <p:sp>
+          <p:nvSpPr>
+            <p:cNvPr id="9" name="TextBox 8"/>
+            <p:cNvSpPr txBox="1"/>
+            <p:nvPr/>
+          </p:nvSpPr>
+          <p:spPr>
+            <a:xfrm>
+              <a:off x="6406306" y="3304347"/>
+              <a:ext cx="301686" cy="369332"/>
+            </a:xfrm>
+            <a:prstGeom prst="rect">
+              <a:avLst/>
+            </a:prstGeom>
+            <a:noFill/>
+          </p:spPr>
+          <p:txBody>
+            <a:bodyPr wrap="none" rtlCol="0">
+              <a:spAutoFit/>
+            </a:bodyPr>
+            <a:lstStyle/>
+            <a:p>
+              <a:r>
+                <a:rPr lang="en-US" dirty="0"/>
+                <a:t>4</a:t>
+              </a:r>
+            </a:p>
+          </p:txBody>
+        </p:sp>
+        <p:sp>
+          <p:nvSpPr>
+            <p:cNvPr id="10" name="TextBox 9"/>
+            <p:cNvSpPr txBox="1"/>
+            <p:nvPr/>
+          </p:nvSpPr>
+          <p:spPr>
+            <a:xfrm>
+              <a:off x="7590798" y="4259402"/>
+              <a:ext cx="301686" cy="369332"/>
+            </a:xfrm>
+            <a:prstGeom prst="rect">
+              <a:avLst/>
+            </a:prstGeom>
+            <a:noFill/>
+          </p:spPr>
+          <p:txBody>
+            <a:bodyPr wrap="none" rtlCol="0">
+              <a:spAutoFit/>
+            </a:bodyPr>
+            <a:lstStyle/>
+            <a:p>
+              <a:r>
+                <a:rPr lang="en-US" dirty="0"/>
+                <a:t>5</a:t>
+              </a:r>
+            </a:p>
+          </p:txBody>
+        </p:sp>
+        <p:sp>
+          <p:nvSpPr>
+            <p:cNvPr id="11" name="TextBox 10"/>
+            <p:cNvSpPr txBox="1"/>
+            <p:nvPr/>
+          </p:nvSpPr>
+          <p:spPr>
+            <a:xfrm>
+              <a:off x="8395736" y="3304347"/>
+              <a:ext cx="301686" cy="369332"/>
+            </a:xfrm>
+            <a:prstGeom prst="rect">
+              <a:avLst/>
+            </a:prstGeom>
+            <a:noFill/>
+          </p:spPr>
+          <p:txBody>
+            <a:bodyPr wrap="none" rtlCol="0">
+              <a:spAutoFit/>
+            </a:bodyPr>
+            <a:lstStyle/>
+            <a:p>
+              <a:r>
+                <a:rPr lang="en-US" dirty="0"/>
+                <a:t>6</a:t>
+              </a:r>
+            </a:p>
+          </p:txBody>
+        </p:sp>
+        <p:sp>
+          <p:nvSpPr>
+            <p:cNvPr id="12" name="TextBox 11"/>
+            <p:cNvSpPr txBox="1"/>
+            <p:nvPr/>
+          </p:nvSpPr>
+          <p:spPr>
+            <a:xfrm>
+              <a:off x="7590798" y="2201678"/>
+              <a:ext cx="301686" cy="369332"/>
+            </a:xfrm>
+            <a:prstGeom prst="rect">
+              <a:avLst/>
+            </a:prstGeom>
+            <a:noFill/>
+          </p:spPr>
+          <p:txBody>
+            <a:bodyPr wrap="none" rtlCol="0">
+              <a:spAutoFit/>
+            </a:bodyPr>
+            <a:lstStyle/>
+            <a:p>
+              <a:r>
+                <a:rPr lang="en-US" dirty="0"/>
+                <a:t>7</a:t>
+              </a:r>
+            </a:p>
+          </p:txBody>
+        </p:sp>
+        <p:sp>
+          <p:nvSpPr>
+            <p:cNvPr id="13" name="TextBox 12"/>
+            <p:cNvSpPr txBox="1"/>
+            <p:nvPr/>
+          </p:nvSpPr>
+          <p:spPr>
+            <a:xfrm>
+              <a:off x="7194553" y="2783048"/>
+              <a:ext cx="301686" cy="369332"/>
+            </a:xfrm>
+            <a:prstGeom prst="rect">
+              <a:avLst/>
+            </a:prstGeom>
+            <a:noFill/>
+          </p:spPr>
+          <p:txBody>
+            <a:bodyPr wrap="none" rtlCol="0">
+              <a:spAutoFit/>
+            </a:bodyPr>
+            <a:lstStyle/>
+            <a:p>
+              <a:r>
+                <a:rPr lang="en-US" dirty="0"/>
+                <a:t>8</a:t>
+              </a:r>
+            </a:p>
+          </p:txBody>
+        </p:sp>
+      </p:grpSp>
+    </p:spTree>
+    <p:extLst>
+      <p:ext uri="{BB962C8B-B14F-4D97-AF65-F5344CB8AC3E}">
+        <p14:creationId xmlns:p14="http://schemas.microsoft.com/office/powerpoint/2010/main" val="1489853375"/>
       </p:ext>
     </p:extLst>
   </p:cSld>

--- a/GraphTheoryTalk/Presentation1.pptx
+++ b/GraphTheoryTalk/Presentation1.pptx
@@ -6,12 +6,14 @@
   </p:sldMasterIdLst>
   <p:sldIdLst>
     <p:sldId id="256" r:id="rId2"/>
-    <p:sldId id="257" r:id="rId3"/>
-    <p:sldId id="258" r:id="rId4"/>
-    <p:sldId id="259" r:id="rId5"/>
-    <p:sldId id="260" r:id="rId6"/>
-    <p:sldId id="261" r:id="rId7"/>
-    <p:sldId id="262" r:id="rId8"/>
+    <p:sldId id="263" r:id="rId3"/>
+    <p:sldId id="264" r:id="rId4"/>
+    <p:sldId id="257" r:id="rId5"/>
+    <p:sldId id="258" r:id="rId6"/>
+    <p:sldId id="259" r:id="rId7"/>
+    <p:sldId id="260" r:id="rId8"/>
+    <p:sldId id="261" r:id="rId9"/>
+    <p:sldId id="262" r:id="rId10"/>
   </p:sldIdLst>
   <p:sldSz cx="12192000" cy="6858000"/>
   <p:notesSz cx="6858000" cy="9144000"/>
@@ -4320,6 +4322,221 @@
           <a:chExt cx="0" cy="0"/>
         </a:xfrm>
       </p:grpSpPr>
+      <p:sp>
+        <p:nvSpPr>
+          <p:cNvPr id="2" name="Title 1"/>
+          <p:cNvSpPr>
+            <a:spLocks noGrp="1"/>
+          </p:cNvSpPr>
+          <p:nvPr>
+            <p:ph type="title"/>
+          </p:nvPr>
+        </p:nvSpPr>
+        <p:spPr/>
+        <p:txBody>
+          <a:bodyPr/>
+          <a:lstStyle/>
+          <a:p>
+            <a:endParaRPr lang="en-US"/>
+          </a:p>
+        </p:txBody>
+      </p:sp>
+      <p:pic>
+        <p:nvPicPr>
+          <p:cNvPr id="5" name="Content Placeholder 4"/>
+          <p:cNvPicPr>
+            <a:picLocks noGrp="1" noChangeAspect="1"/>
+          </p:cNvPicPr>
+          <p:nvPr>
+            <p:ph idx="1"/>
+          </p:nvPr>
+        </p:nvPicPr>
+        <p:blipFill>
+          <a:blip r:embed="rId2"/>
+          <a:stretch>
+            <a:fillRect/>
+          </a:stretch>
+        </p:blipFill>
+        <p:spPr>
+          <a:xfrm>
+            <a:off x="7239416" y="1210711"/>
+            <a:ext cx="3649495" cy="3522472"/>
+          </a:xfrm>
+          <a:prstGeom prst="rect">
+            <a:avLst/>
+          </a:prstGeom>
+        </p:spPr>
+      </p:pic>
+      <p:pic>
+        <p:nvPicPr>
+          <p:cNvPr id="4" name="Picture 3"/>
+          <p:cNvPicPr>
+            <a:picLocks noChangeAspect="1"/>
+          </p:cNvPicPr>
+          <p:nvPr/>
+        </p:nvPicPr>
+        <p:blipFill>
+          <a:blip r:embed="rId3"/>
+          <a:stretch>
+            <a:fillRect/>
+          </a:stretch>
+        </p:blipFill>
+        <p:spPr>
+          <a:xfrm>
+            <a:off x="0" y="98482"/>
+            <a:ext cx="6655266" cy="2596614"/>
+          </a:xfrm>
+          <a:prstGeom prst="rect">
+            <a:avLst/>
+          </a:prstGeom>
+        </p:spPr>
+      </p:pic>
+      <p:pic>
+        <p:nvPicPr>
+          <p:cNvPr id="6" name="Picture 5"/>
+          <p:cNvPicPr>
+            <a:picLocks noChangeAspect="1"/>
+          </p:cNvPicPr>
+          <p:nvPr/>
+        </p:nvPicPr>
+        <p:blipFill>
+          <a:blip r:embed="rId4"/>
+          <a:stretch>
+            <a:fillRect/>
+          </a:stretch>
+        </p:blipFill>
+        <p:spPr>
+          <a:xfrm>
+            <a:off x="3012603" y="3223230"/>
+            <a:ext cx="3259784" cy="3019905"/>
+          </a:xfrm>
+          <a:prstGeom prst="rect">
+            <a:avLst/>
+          </a:prstGeom>
+        </p:spPr>
+      </p:pic>
+    </p:spTree>
+    <p:extLst>
+      <p:ext uri="{BB962C8B-B14F-4D97-AF65-F5344CB8AC3E}">
+        <p14:creationId xmlns:p14="http://schemas.microsoft.com/office/powerpoint/2010/main" val="3524658680"/>
+      </p:ext>
+    </p:extLst>
+  </p:cSld>
+  <p:clrMapOvr>
+    <a:masterClrMapping/>
+  </p:clrMapOvr>
+</p:sld>
+</file>
+
+<file path=ppt/slides/slide3.xml><?xml version="1.0" encoding="utf-8"?>
+<p:sld xmlns:a="http://schemas.openxmlformats.org/drawingml/2006/main" xmlns:r="http://schemas.openxmlformats.org/officeDocument/2006/relationships" xmlns:p="http://schemas.openxmlformats.org/presentationml/2006/main">
+  <p:cSld>
+    <p:spTree>
+      <p:nvGrpSpPr>
+        <p:cNvPr id="1" name=""/>
+        <p:cNvGrpSpPr/>
+        <p:nvPr/>
+      </p:nvGrpSpPr>
+      <p:grpSpPr>
+        <a:xfrm>
+          <a:off x="0" y="0"/>
+          <a:ext cx="0" cy="0"/>
+          <a:chOff x="0" y="0"/>
+          <a:chExt cx="0" cy="0"/>
+        </a:xfrm>
+      </p:grpSpPr>
+      <p:sp>
+        <p:nvSpPr>
+          <p:cNvPr id="2" name="Title 1"/>
+          <p:cNvSpPr>
+            <a:spLocks noGrp="1"/>
+          </p:cNvSpPr>
+          <p:nvPr>
+            <p:ph type="title"/>
+          </p:nvPr>
+        </p:nvSpPr>
+        <p:spPr/>
+        <p:txBody>
+          <a:bodyPr/>
+          <a:lstStyle/>
+          <a:p>
+            <a:endParaRPr lang="en-US"/>
+          </a:p>
+        </p:txBody>
+      </p:sp>
+      <p:sp>
+        <p:nvSpPr>
+          <p:cNvPr id="3" name="Content Placeholder 2"/>
+          <p:cNvSpPr>
+            <a:spLocks noGrp="1"/>
+          </p:cNvSpPr>
+          <p:nvPr>
+            <p:ph idx="1"/>
+          </p:nvPr>
+        </p:nvSpPr>
+        <p:spPr/>
+        <p:txBody>
+          <a:bodyPr/>
+          <a:lstStyle/>
+          <a:p>
+            <a:endParaRPr lang="en-US"/>
+          </a:p>
+        </p:txBody>
+      </p:sp>
+      <p:pic>
+        <p:nvPicPr>
+          <p:cNvPr id="4" name="Picture 3"/>
+          <p:cNvPicPr>
+            <a:picLocks noChangeAspect="1"/>
+          </p:cNvPicPr>
+          <p:nvPr/>
+        </p:nvPicPr>
+        <p:blipFill>
+          <a:blip r:embed="rId2"/>
+          <a:stretch>
+            <a:fillRect/>
+          </a:stretch>
+        </p:blipFill>
+        <p:spPr>
+          <a:xfrm>
+            <a:off x="2097248" y="1246929"/>
+            <a:ext cx="3825947" cy="3566385"/>
+          </a:xfrm>
+          <a:prstGeom prst="rect">
+            <a:avLst/>
+          </a:prstGeom>
+        </p:spPr>
+      </p:pic>
+    </p:spTree>
+    <p:extLst>
+      <p:ext uri="{BB962C8B-B14F-4D97-AF65-F5344CB8AC3E}">
+        <p14:creationId xmlns:p14="http://schemas.microsoft.com/office/powerpoint/2010/main" val="872734838"/>
+      </p:ext>
+    </p:extLst>
+  </p:cSld>
+  <p:clrMapOvr>
+    <a:masterClrMapping/>
+  </p:clrMapOvr>
+</p:sld>
+</file>
+
+<file path=ppt/slides/slide4.xml><?xml version="1.0" encoding="utf-8"?>
+<p:sld xmlns:a="http://schemas.openxmlformats.org/drawingml/2006/main" xmlns:r="http://schemas.openxmlformats.org/officeDocument/2006/relationships" xmlns:p="http://schemas.openxmlformats.org/presentationml/2006/main">
+  <p:cSld>
+    <p:spTree>
+      <p:nvGrpSpPr>
+        <p:cNvPr id="1" name=""/>
+        <p:cNvGrpSpPr/>
+        <p:nvPr/>
+      </p:nvGrpSpPr>
+      <p:grpSpPr>
+        <a:xfrm>
+          <a:off x="0" y="0"/>
+          <a:ext cx="0" cy="0"/>
+          <a:chOff x="0" y="0"/>
+          <a:chExt cx="0" cy="0"/>
+        </a:xfrm>
+      </p:grpSpPr>
       <p:pic>
         <p:nvPicPr>
           <p:cNvPr id="2" name="Picture 1"/>
@@ -4357,7 +4574,7 @@
 </p:sld>
 </file>
 
-<file path=ppt/slides/slide3.xml><?xml version="1.0" encoding="utf-8"?>
+<file path=ppt/slides/slide5.xml><?xml version="1.0" encoding="utf-8"?>
 <p:sld xmlns:a="http://schemas.openxmlformats.org/drawingml/2006/main" xmlns:r="http://schemas.openxmlformats.org/officeDocument/2006/relationships" xmlns:p="http://schemas.openxmlformats.org/presentationml/2006/main">
   <p:cSld>
     <p:spTree>
@@ -4411,7 +4628,7 @@
 </p:sld>
 </file>
 
-<file path=ppt/slides/slide4.xml><?xml version="1.0" encoding="utf-8"?>
+<file path=ppt/slides/slide6.xml><?xml version="1.0" encoding="utf-8"?>
 <p:sld xmlns:a="http://schemas.openxmlformats.org/drawingml/2006/main" xmlns:r="http://schemas.openxmlformats.org/officeDocument/2006/relationships" xmlns:p="http://schemas.openxmlformats.org/presentationml/2006/main">
   <p:cSld>
     <p:spTree>
@@ -4465,7 +4682,7 @@
 </p:sld>
 </file>
 
-<file path=ppt/slides/slide5.xml><?xml version="1.0" encoding="utf-8"?>
+<file path=ppt/slides/slide7.xml><?xml version="1.0" encoding="utf-8"?>
 <p:sld xmlns:a="http://schemas.openxmlformats.org/drawingml/2006/main" xmlns:r="http://schemas.openxmlformats.org/officeDocument/2006/relationships" xmlns:p="http://schemas.openxmlformats.org/presentationml/2006/main">
   <p:cSld>
     <p:spTree>
@@ -4564,7 +4781,7 @@
 </p:sld>
 </file>
 
-<file path=ppt/slides/slide6.xml><?xml version="1.0" encoding="utf-8"?>
+<file path=ppt/slides/slide8.xml><?xml version="1.0" encoding="utf-8"?>
 <p:sld xmlns:a="http://schemas.openxmlformats.org/drawingml/2006/main" xmlns:r="http://schemas.openxmlformats.org/officeDocument/2006/relationships" xmlns:p="http://schemas.openxmlformats.org/presentationml/2006/main">
   <p:cSld>
     <p:spTree>
@@ -4642,7 +4859,7 @@
 </p:sld>
 </file>
 
-<file path=ppt/slides/slide7.xml><?xml version="1.0" encoding="utf-8"?>
+<file path=ppt/slides/slide9.xml><?xml version="1.0" encoding="utf-8"?>
 <p:sld xmlns:a="http://schemas.openxmlformats.org/drawingml/2006/main" xmlns:r="http://schemas.openxmlformats.org/officeDocument/2006/relationships" xmlns:p="http://schemas.openxmlformats.org/presentationml/2006/main">
   <p:cSld>
     <p:spTree>
